--- a/for_students/DAY-1/ppt/dev1_04.pptx
+++ b/for_students/DAY-1/ppt/dev1_04.pptx
@@ -272,7 +272,7 @@
           <a:p>
             <a:fld id="{EF790F8C-5FB9-4EFE-BCC7-F735A3026FD8}" type="datetimeFigureOut">
               <a:rPr lang="ru-RU" smtClean="0"/>
-              <a:t>19.09.2024</a:t>
+              <a:t>20.09.2024</a:t>
             </a:fld>
             <a:endParaRPr lang="ru-RU"/>
           </a:p>
@@ -470,7 +470,7 @@
           <a:p>
             <a:fld id="{EF790F8C-5FB9-4EFE-BCC7-F735A3026FD8}" type="datetimeFigureOut">
               <a:rPr lang="ru-RU" smtClean="0"/>
-              <a:t>19.09.2024</a:t>
+              <a:t>20.09.2024</a:t>
             </a:fld>
             <a:endParaRPr lang="ru-RU"/>
           </a:p>
@@ -678,7 +678,7 @@
           <a:p>
             <a:fld id="{EF790F8C-5FB9-4EFE-BCC7-F735A3026FD8}" type="datetimeFigureOut">
               <a:rPr lang="ru-RU" smtClean="0"/>
-              <a:t>19.09.2024</a:t>
+              <a:t>20.09.2024</a:t>
             </a:fld>
             <a:endParaRPr lang="ru-RU"/>
           </a:p>
@@ -1690,7 +1690,7 @@
           <a:p>
             <a:fld id="{EF790F8C-5FB9-4EFE-BCC7-F735A3026FD8}" type="datetimeFigureOut">
               <a:rPr lang="ru-RU" smtClean="0"/>
-              <a:t>19.09.2024</a:t>
+              <a:t>20.09.2024</a:t>
             </a:fld>
             <a:endParaRPr lang="ru-RU"/>
           </a:p>
@@ -2801,7 +2801,7 @@
           <a:p>
             <a:fld id="{EF790F8C-5FB9-4EFE-BCC7-F735A3026FD8}" type="datetimeFigureOut">
               <a:rPr lang="ru-RU" smtClean="0"/>
-              <a:t>19.09.2024</a:t>
+              <a:t>20.09.2024</a:t>
             </a:fld>
             <a:endParaRPr lang="ru-RU"/>
           </a:p>
@@ -3076,7 +3076,7 @@
           <a:p>
             <a:fld id="{EF790F8C-5FB9-4EFE-BCC7-F735A3026FD8}" type="datetimeFigureOut">
               <a:rPr lang="ru-RU" smtClean="0"/>
-              <a:t>19.09.2024</a:t>
+              <a:t>20.09.2024</a:t>
             </a:fld>
             <a:endParaRPr lang="ru-RU"/>
           </a:p>
@@ -3341,7 +3341,7 @@
           <a:p>
             <a:fld id="{EF790F8C-5FB9-4EFE-BCC7-F735A3026FD8}" type="datetimeFigureOut">
               <a:rPr lang="ru-RU" smtClean="0"/>
-              <a:t>19.09.2024</a:t>
+              <a:t>20.09.2024</a:t>
             </a:fld>
             <a:endParaRPr lang="ru-RU"/>
           </a:p>
@@ -3753,7 +3753,7 @@
           <a:p>
             <a:fld id="{EF790F8C-5FB9-4EFE-BCC7-F735A3026FD8}" type="datetimeFigureOut">
               <a:rPr lang="ru-RU" smtClean="0"/>
-              <a:t>19.09.2024</a:t>
+              <a:t>20.09.2024</a:t>
             </a:fld>
             <a:endParaRPr lang="ru-RU"/>
           </a:p>
@@ -3894,7 +3894,7 @@
           <a:p>
             <a:fld id="{EF790F8C-5FB9-4EFE-BCC7-F735A3026FD8}" type="datetimeFigureOut">
               <a:rPr lang="ru-RU" smtClean="0"/>
-              <a:t>19.09.2024</a:t>
+              <a:t>20.09.2024</a:t>
             </a:fld>
             <a:endParaRPr lang="ru-RU"/>
           </a:p>
@@ -4007,7 +4007,7 @@
           <a:p>
             <a:fld id="{EF790F8C-5FB9-4EFE-BCC7-F735A3026FD8}" type="datetimeFigureOut">
               <a:rPr lang="ru-RU" smtClean="0"/>
-              <a:t>19.09.2024</a:t>
+              <a:t>20.09.2024</a:t>
             </a:fld>
             <a:endParaRPr lang="ru-RU"/>
           </a:p>
@@ -4318,7 +4318,7 @@
           <a:p>
             <a:fld id="{EF790F8C-5FB9-4EFE-BCC7-F735A3026FD8}" type="datetimeFigureOut">
               <a:rPr lang="ru-RU" smtClean="0"/>
-              <a:t>19.09.2024</a:t>
+              <a:t>20.09.2024</a:t>
             </a:fld>
             <a:endParaRPr lang="ru-RU"/>
           </a:p>
@@ -4606,7 +4606,7 @@
           <a:p>
             <a:fld id="{EF790F8C-5FB9-4EFE-BCC7-F735A3026FD8}" type="datetimeFigureOut">
               <a:rPr lang="ru-RU" smtClean="0"/>
-              <a:t>19.09.2024</a:t>
+              <a:t>20.09.2024</a:t>
             </a:fld>
             <a:endParaRPr lang="ru-RU"/>
           </a:p>
@@ -4847,7 +4847,7 @@
           <a:p>
             <a:fld id="{EF790F8C-5FB9-4EFE-BCC7-F735A3026FD8}" type="datetimeFigureOut">
               <a:rPr lang="ru-RU" smtClean="0"/>
-              <a:t>19.09.2024</a:t>
+              <a:t>20.09.2024</a:t>
             </a:fld>
             <a:endParaRPr lang="ru-RU"/>
           </a:p>
@@ -6360,6 +6360,36 @@
           <a:chExt cx="0" cy="0"/>
         </a:xfrm>
       </p:grpSpPr>
+      <p:pic>
+        <p:nvPicPr>
+          <p:cNvPr id="2" name="Рисунок 1">
+            <a:extLst>
+              <a:ext uri="{FF2B5EF4-FFF2-40B4-BE49-F238E27FC236}">
+                <a16:creationId xmlns:a16="http://schemas.microsoft.com/office/drawing/2014/main" id="{61ED44DC-EF64-47C9-9ACC-5C25D51DE8AD}"/>
+              </a:ext>
+            </a:extLst>
+          </p:cNvPr>
+          <p:cNvPicPr>
+            <a:picLocks noChangeAspect="1"/>
+          </p:cNvPicPr>
+          <p:nvPr/>
+        </p:nvPicPr>
+        <p:blipFill>
+          <a:blip r:embed="rId2"/>
+          <a:stretch>
+            <a:fillRect/>
+          </a:stretch>
+        </p:blipFill>
+        <p:spPr>
+          <a:xfrm>
+            <a:off x="1758010" y="0"/>
+            <a:ext cx="8675979" cy="6858000"/>
+          </a:xfrm>
+          <a:prstGeom prst="rect">
+            <a:avLst/>
+          </a:prstGeom>
+        </p:spPr>
+      </p:pic>
     </p:spTree>
     <p:extLst>
       <p:ext uri="{BB962C8B-B14F-4D97-AF65-F5344CB8AC3E}">
